--- a/doc/Projektpräsentation_Sportferien.pptx
+++ b/doc/Projektpräsentation_Sportferien.pptx
@@ -3645,8 +3645,8 @@
           <a:lstStyle/>
           <a:p>
             <a:r>
-              <a:rPr lang="LID4096"/>
-              <a:t>Datum</a:t>
+              <a:rPr lang="LID4096" dirty="0"/>
+              <a:t>16.02.2026</a:t>
             </a:r>
             <a:endParaRPr lang="en-US" dirty="0"/>
           </a:p>
@@ -3759,7 +3759,7 @@
         </p:nvSpPr>
         <p:spPr>
           <a:xfrm>
-            <a:off x="4441453" y="3040962"/>
+            <a:off x="4287037" y="1024737"/>
             <a:ext cx="3309094" cy="776075"/>
           </a:xfrm>
         </p:spPr>
@@ -3796,8 +3796,8 @@
           <a:lstStyle/>
           <a:p>
             <a:r>
-              <a:rPr lang="LID4096"/>
-              <a:t>Datum</a:t>
+              <a:rPr lang="LID4096" dirty="0"/>
+              <a:t>16.02.2026</a:t>
             </a:r>
             <a:endParaRPr lang="en-US" dirty="0"/>
           </a:p>
@@ -3862,6 +3862,36 @@
           </a:p>
         </p:txBody>
       </p:sp>
+      <p:pic>
+        <p:nvPicPr>
+          <p:cNvPr id="8" name="Picture 7" descr="The image is a menu listing five options: Add subject, Add note, Delete note, Display all subjects, Display overall average, and Exit.&#10;&#10;AI-generated content may be incorrect.">
+            <a:extLst>
+              <a:ext uri="{FF2B5EF4-FFF2-40B4-BE49-F238E27FC236}">
+                <a16:creationId xmlns:a16="http://schemas.microsoft.com/office/drawing/2014/main" id="{F3E7D735-6670-E84D-38BA-DEEBDD1EE539}"/>
+              </a:ext>
+            </a:extLst>
+          </p:cNvPr>
+          <p:cNvPicPr>
+            <a:picLocks noChangeAspect="1"/>
+          </p:cNvPicPr>
+          <p:nvPr/>
+        </p:nvPicPr>
+        <p:blipFill>
+          <a:blip r:embed="rId2"/>
+          <a:stretch>
+            <a:fillRect/>
+          </a:stretch>
+        </p:blipFill>
+        <p:spPr>
+          <a:xfrm>
+            <a:off x="3426633" y="2602000"/>
+            <a:ext cx="5029902" cy="2953162"/>
+          </a:xfrm>
+          <a:prstGeom prst="rect">
+            <a:avLst/>
+          </a:prstGeom>
+        </p:spPr>
+      </p:pic>
     </p:spTree>
     <p:extLst>
       <p:ext uri="{BB962C8B-B14F-4D97-AF65-F5344CB8AC3E}">
@@ -4138,8 +4168,8 @@
           <a:lstStyle/>
           <a:p>
             <a:r>
-              <a:rPr lang="LID4096"/>
-              <a:t>Datum</a:t>
+              <a:rPr lang="LID4096" dirty="0"/>
+              <a:t>16.02.2026</a:t>
             </a:r>
             <a:endParaRPr lang="en-US" dirty="0"/>
           </a:p>
@@ -4250,7 +4280,12 @@
             <p:ph type="title"/>
           </p:nvPr>
         </p:nvSpPr>
-        <p:spPr/>
+        <p:spPr>
+          <a:xfrm>
+            <a:off x="5255110" y="1037860"/>
+            <a:ext cx="1247434" cy="804473"/>
+          </a:xfrm>
+        </p:spPr>
         <p:txBody>
           <a:bodyPr/>
           <a:lstStyle/>
@@ -4278,7 +4313,12 @@
             <p:ph idx="1"/>
           </p:nvPr>
         </p:nvSpPr>
-        <p:spPr/>
+        <p:spPr>
+          <a:xfrm>
+            <a:off x="3557426" y="2805172"/>
+            <a:ext cx="4757367" cy="1999688"/>
+          </a:xfrm>
+        </p:spPr>
         <p:txBody>
           <a:bodyPr/>
           <a:lstStyle/>
@@ -4374,8 +4414,8 @@
           <a:lstStyle/>
           <a:p>
             <a:r>
-              <a:rPr lang="LID4096"/>
-              <a:t>Datum</a:t>
+              <a:rPr lang="LID4096" dirty="0"/>
+              <a:t>16.02.2026</a:t>
             </a:r>
             <a:endParaRPr lang="en-US" dirty="0"/>
           </a:p>
@@ -4486,7 +4526,12 @@
             <p:ph type="title"/>
           </p:nvPr>
         </p:nvSpPr>
-        <p:spPr/>
+        <p:spPr>
+          <a:xfrm>
+            <a:off x="2108264" y="1325899"/>
+            <a:ext cx="7894592" cy="958075"/>
+          </a:xfrm>
+        </p:spPr>
         <p:txBody>
           <a:bodyPr/>
           <a:lstStyle/>
@@ -4517,8 +4562,8 @@
         </p:nvSpPr>
         <p:spPr>
           <a:xfrm>
-            <a:off x="8036496" y="3620517"/>
-            <a:ext cx="2498982" cy="646331"/>
+            <a:off x="1884647" y="3694350"/>
+            <a:ext cx="8422705" cy="2585323"/>
           </a:xfrm>
           <a:prstGeom prst="rect">
             <a:avLst/>
@@ -4539,6 +4584,63 @@
               <a:rPr lang="en-CH" dirty="0"/>
               <a:t>:</a:t>
             </a:r>
+          </a:p>
+          <a:p>
+            <a:r>
+              <a:rPr lang="de-CH" u="sng" dirty="0">
+                <a:hlinkClick r:id="rId2"/>
+              </a:rPr>
+              <a:t>https://www.w3schools.com/java/</a:t>
+            </a:r>
+            <a:endParaRPr lang="en-CH" dirty="0"/>
+          </a:p>
+          <a:p>
+            <a:r>
+              <a:rPr lang="de-CH" u="sng" dirty="0">
+                <a:hlinkClick r:id="rId3"/>
+              </a:rPr>
+              <a:t>https://www.geeksforgeeks.org/java/java/</a:t>
+            </a:r>
+            <a:endParaRPr lang="en-CH" dirty="0"/>
+          </a:p>
+          <a:p>
+            <a:r>
+              <a:rPr lang="de-CH" u="sng" dirty="0">
+                <a:hlinkClick r:id="rId4"/>
+              </a:rPr>
+              <a:t>https://www.geeksforgeeks.org/java/ways-to-read-input-from-console-in-java/</a:t>
+            </a:r>
+            <a:endParaRPr lang="en-CH" dirty="0"/>
+          </a:p>
+          <a:p>
+            <a:r>
+              <a:rPr lang="de-CH" u="sng" dirty="0">
+                <a:hlinkClick r:id="rId5"/>
+              </a:rPr>
+              <a:t>https://www.geeksforgeeks.org/java/java-util-package-java/</a:t>
+            </a:r>
+            <a:endParaRPr lang="en-CH" dirty="0"/>
+          </a:p>
+          <a:p>
+            <a:r>
+              <a:rPr lang="de-CH" u="sng" dirty="0">
+                <a:hlinkClick r:id="rId6"/>
+              </a:rPr>
+              <a:t>https://docs.oracle.com/en/java/</a:t>
+            </a:r>
+            <a:endParaRPr lang="en-CH" dirty="0"/>
+          </a:p>
+          <a:p>
+            <a:r>
+              <a:rPr lang="de-CH" u="sng" dirty="0">
+                <a:hlinkClick r:id="rId7"/>
+              </a:rPr>
+              <a:t>https://chatgpt.com/</a:t>
+            </a:r>
+            <a:endParaRPr lang="en-CH" dirty="0"/>
+          </a:p>
+          <a:p>
+            <a:endParaRPr lang="en-CH" dirty="0"/>
           </a:p>
           <a:p>
             <a:endParaRPr lang="en-CH" dirty="0"/>
